--- a/Presentation Slides/First_Presentation.pptx
+++ b/Presentation Slides/First_Presentation.pptx
@@ -8,10 +8,11 @@
     <p:sldId id="256" r:id="rId2"/>
     <p:sldId id="257" r:id="rId3"/>
     <p:sldId id="258" r:id="rId4"/>
-    <p:sldId id="259" r:id="rId5"/>
-    <p:sldId id="260" r:id="rId6"/>
-    <p:sldId id="262" r:id="rId7"/>
-    <p:sldId id="261" r:id="rId8"/>
+    <p:sldId id="263" r:id="rId5"/>
+    <p:sldId id="259" r:id="rId6"/>
+    <p:sldId id="260" r:id="rId7"/>
+    <p:sldId id="262" r:id="rId8"/>
+    <p:sldId id="261" r:id="rId9"/>
   </p:sldIdLst>
   <p:sldSz cx="12192000" cy="6858000"/>
   <p:notesSz cx="6858000" cy="9144000"/>
@@ -110,6 +111,22 @@
       </a:defRPr>
     </a:lvl9pPr>
   </p:defaultTextStyle>
+  <p:extLst>
+    <p:ext uri="{EFAFB233-063F-42B5-8137-9DF3F51BA10A}">
+      <p15:sldGuideLst xmlns:p15="http://schemas.microsoft.com/office/powerpoint/2012/main">
+        <p15:guide id="1" orient="horz" pos="2160">
+          <p15:clr>
+            <a:srgbClr val="A4A3A4"/>
+          </p15:clr>
+        </p15:guide>
+        <p15:guide id="2" pos="3840">
+          <p15:clr>
+            <a:srgbClr val="A4A3A4"/>
+          </p15:clr>
+        </p15:guide>
+      </p15:sldGuideLst>
+    </p:ext>
+  </p:extLst>
 </p:presentation>
 </file>
 
@@ -160,7 +177,7 @@
           </a:lstStyle>
           <a:p>
             <a:r>
-              <a:rPr lang="en-US" smtClean="0"/>
+              <a:rPr lang="en-US"/>
               <a:t>Click to edit Master title style</a:t>
             </a:r>
             <a:endParaRPr lang="en-US" dirty="0"/>
@@ -281,7 +298,7 @@
           </a:lstStyle>
           <a:p>
             <a:r>
-              <a:rPr lang="en-US" smtClean="0"/>
+              <a:rPr lang="en-US"/>
               <a:t>Click to edit Master subtitle style</a:t>
             </a:r>
             <a:endParaRPr lang="en-US" dirty="0"/>
@@ -305,7 +322,7 @@
           <a:p>
             <a:fld id="{2C4F4B92-FC48-4157-830E-206F1223ABE5}" type="datetimeFigureOut">
               <a:rPr lang="en-GB" smtClean="0"/>
-              <a:t>06/02/2018</a:t>
+              <a:t>07/02/2018</a:t>
             </a:fld>
             <a:endParaRPr lang="en-GB"/>
           </a:p>
@@ -394,7 +411,7 @@
           <a:lstStyle/>
           <a:p>
             <a:r>
-              <a:rPr lang="en-US" smtClean="0"/>
+              <a:rPr lang="en-US"/>
               <a:t>Click to edit Master title style</a:t>
             </a:r>
             <a:endParaRPr lang="en-US" dirty="0"/>
@@ -418,38 +435,37 @@
           <a:p>
             <a:pPr lvl="0"/>
             <a:r>
-              <a:rPr lang="en-US" smtClean="0"/>
+              <a:rPr lang="en-US"/>
               <a:t>Click to edit Master text styles</a:t>
             </a:r>
           </a:p>
           <a:p>
             <a:pPr lvl="1"/>
             <a:r>
-              <a:rPr lang="en-US" smtClean="0"/>
+              <a:rPr lang="en-US"/>
               <a:t>Second level</a:t>
             </a:r>
           </a:p>
           <a:p>
             <a:pPr lvl="2"/>
             <a:r>
-              <a:rPr lang="en-US" smtClean="0"/>
+              <a:rPr lang="en-US"/>
               <a:t>Third level</a:t>
             </a:r>
           </a:p>
           <a:p>
             <a:pPr lvl="3"/>
             <a:r>
-              <a:rPr lang="en-US" smtClean="0"/>
+              <a:rPr lang="en-US"/>
               <a:t>Fourth level</a:t>
             </a:r>
           </a:p>
           <a:p>
             <a:pPr lvl="4"/>
             <a:r>
-              <a:rPr lang="en-US" smtClean="0"/>
+              <a:rPr lang="en-US"/>
               <a:t>Fifth level</a:t>
             </a:r>
-            <a:endParaRPr lang="en-US"/>
           </a:p>
         </p:txBody>
       </p:sp>
@@ -470,7 +486,7 @@
           <a:p>
             <a:fld id="{2C4F4B92-FC48-4157-830E-206F1223ABE5}" type="datetimeFigureOut">
               <a:rPr lang="en-GB" smtClean="0"/>
-              <a:t>06/02/2018</a:t>
+              <a:t>07/02/2018</a:t>
             </a:fld>
             <a:endParaRPr lang="en-GB"/>
           </a:p>
@@ -564,7 +580,7 @@
           <a:lstStyle/>
           <a:p>
             <a:r>
-              <a:rPr lang="en-US" smtClean="0"/>
+              <a:rPr lang="en-US"/>
               <a:t>Click to edit Master title style</a:t>
             </a:r>
             <a:endParaRPr lang="en-US" dirty="0"/>
@@ -593,38 +609,37 @@
           <a:p>
             <a:pPr lvl="0"/>
             <a:r>
-              <a:rPr lang="en-US" smtClean="0"/>
+              <a:rPr lang="en-US"/>
               <a:t>Click to edit Master text styles</a:t>
             </a:r>
           </a:p>
           <a:p>
             <a:pPr lvl="1"/>
             <a:r>
-              <a:rPr lang="en-US" smtClean="0"/>
+              <a:rPr lang="en-US"/>
               <a:t>Second level</a:t>
             </a:r>
           </a:p>
           <a:p>
             <a:pPr lvl="2"/>
             <a:r>
-              <a:rPr lang="en-US" smtClean="0"/>
+              <a:rPr lang="en-US"/>
               <a:t>Third level</a:t>
             </a:r>
           </a:p>
           <a:p>
             <a:pPr lvl="3"/>
             <a:r>
-              <a:rPr lang="en-US" smtClean="0"/>
+              <a:rPr lang="en-US"/>
               <a:t>Fourth level</a:t>
             </a:r>
           </a:p>
           <a:p>
             <a:pPr lvl="4"/>
             <a:r>
-              <a:rPr lang="en-US" smtClean="0"/>
+              <a:rPr lang="en-US"/>
               <a:t>Fifth level</a:t>
             </a:r>
-            <a:endParaRPr lang="en-US"/>
           </a:p>
         </p:txBody>
       </p:sp>
@@ -645,7 +660,7 @@
           <a:p>
             <a:fld id="{2C4F4B92-FC48-4157-830E-206F1223ABE5}" type="datetimeFigureOut">
               <a:rPr lang="en-GB" smtClean="0"/>
-              <a:t>06/02/2018</a:t>
+              <a:t>07/02/2018</a:t>
             </a:fld>
             <a:endParaRPr lang="en-GB"/>
           </a:p>
@@ -734,7 +749,7 @@
           <a:lstStyle/>
           <a:p>
             <a:r>
-              <a:rPr lang="en-US" smtClean="0"/>
+              <a:rPr lang="en-US"/>
               <a:t>Click to edit Master title style</a:t>
             </a:r>
             <a:endParaRPr lang="en-US" dirty="0"/>
@@ -776,38 +791,38 @@
           <a:p>
             <a:pPr lvl="0"/>
             <a:r>
-              <a:rPr lang="en-US" smtClean="0"/>
+              <a:rPr lang="en-US"/>
               <a:t>Click to edit Master text styles</a:t>
             </a:r>
           </a:p>
           <a:p>
             <a:pPr lvl="1"/>
             <a:r>
-              <a:rPr lang="en-US" smtClean="0"/>
+              <a:rPr lang="en-US"/>
               <a:t>Second level</a:t>
             </a:r>
           </a:p>
           <a:p>
             <a:pPr lvl="2"/>
             <a:r>
-              <a:rPr lang="en-US" smtClean="0"/>
+              <a:rPr lang="en-US"/>
               <a:t>Third level</a:t>
             </a:r>
           </a:p>
           <a:p>
             <a:pPr lvl="3"/>
             <a:r>
-              <a:rPr lang="en-US" smtClean="0"/>
+              <a:rPr lang="en-US"/>
               <a:t>Fourth level</a:t>
             </a:r>
           </a:p>
           <a:p>
             <a:pPr lvl="4"/>
             <a:r>
-              <a:rPr lang="en-US" smtClean="0"/>
+              <a:rPr lang="en-US"/>
               <a:t>Fifth level</a:t>
             </a:r>
-            <a:endParaRPr lang="en-US" dirty="0" smtClean="0"/>
+            <a:endParaRPr lang="en-US" dirty="0"/>
           </a:p>
         </p:txBody>
       </p:sp>
@@ -828,7 +843,7 @@
           <a:p>
             <a:fld id="{2C4F4B92-FC48-4157-830E-206F1223ABE5}" type="datetimeFigureOut">
               <a:rPr lang="en-GB" smtClean="0"/>
-              <a:t>06/02/2018</a:t>
+              <a:t>07/02/2018</a:t>
             </a:fld>
             <a:endParaRPr lang="en-GB"/>
           </a:p>
@@ -947,7 +962,7 @@
           </a:lstStyle>
           <a:p>
             <a:r>
-              <a:rPr lang="en-US" smtClean="0"/>
+              <a:rPr lang="en-US"/>
               <a:t>Click to edit Master title style</a:t>
             </a:r>
             <a:endParaRPr lang="en-US" dirty="0"/>
@@ -1067,7 +1082,7 @@
           <a:p>
             <a:pPr lvl="0"/>
             <a:r>
-              <a:rPr lang="en-US" smtClean="0"/>
+              <a:rPr lang="en-US"/>
               <a:t>Click to edit Master text styles</a:t>
             </a:r>
           </a:p>
@@ -1090,7 +1105,7 @@
           <a:p>
             <a:fld id="{2C4F4B92-FC48-4157-830E-206F1223ABE5}" type="datetimeFigureOut">
               <a:rPr lang="en-GB" smtClean="0"/>
-              <a:t>06/02/2018</a:t>
+              <a:t>07/02/2018</a:t>
             </a:fld>
             <a:endParaRPr lang="en-GB"/>
           </a:p>
@@ -1329,10 +1344,9 @@
           <a:lstStyle/>
           <a:p>
             <a:r>
-              <a:rPr lang="en-US" smtClean="0"/>
+              <a:rPr lang="en-US"/>
               <a:t>Click to edit Master title style</a:t>
             </a:r>
-            <a:endParaRPr lang="en-US"/>
           </a:p>
         </p:txBody>
       </p:sp>
@@ -1386,38 +1400,38 @@
           <a:p>
             <a:pPr lvl="0"/>
             <a:r>
-              <a:rPr lang="en-US" smtClean="0"/>
+              <a:rPr lang="en-US"/>
               <a:t>Click to edit Master text styles</a:t>
             </a:r>
           </a:p>
           <a:p>
             <a:pPr lvl="1"/>
             <a:r>
-              <a:rPr lang="en-US" smtClean="0"/>
+              <a:rPr lang="en-US"/>
               <a:t>Second level</a:t>
             </a:r>
           </a:p>
           <a:p>
             <a:pPr lvl="2"/>
             <a:r>
-              <a:rPr lang="en-US" smtClean="0"/>
+              <a:rPr lang="en-US"/>
               <a:t>Third level</a:t>
             </a:r>
           </a:p>
           <a:p>
             <a:pPr lvl="3"/>
             <a:r>
-              <a:rPr lang="en-US" smtClean="0"/>
+              <a:rPr lang="en-US"/>
               <a:t>Fourth level</a:t>
             </a:r>
           </a:p>
           <a:p>
             <a:pPr lvl="4"/>
             <a:r>
-              <a:rPr lang="en-US" smtClean="0"/>
+              <a:rPr lang="en-US"/>
               <a:t>Fifth level</a:t>
             </a:r>
-            <a:endParaRPr lang="en-US" dirty="0" smtClean="0"/>
+            <a:endParaRPr lang="en-US" dirty="0"/>
           </a:p>
         </p:txBody>
       </p:sp>
@@ -1438,7 +1452,7 @@
           <a:p>
             <a:fld id="{2C4F4B92-FC48-4157-830E-206F1223ABE5}" type="datetimeFigureOut">
               <a:rPr lang="en-GB" smtClean="0"/>
-              <a:t>06/02/2018</a:t>
+              <a:t>07/02/2018</a:t>
             </a:fld>
             <a:endParaRPr lang="en-GB"/>
           </a:p>
@@ -1508,38 +1522,37 @@
           <a:p>
             <a:pPr lvl="0"/>
             <a:r>
-              <a:rPr lang="en-US" smtClean="0"/>
+              <a:rPr lang="en-US"/>
               <a:t>Click to edit Master text styles</a:t>
             </a:r>
           </a:p>
           <a:p>
             <a:pPr lvl="1"/>
             <a:r>
-              <a:rPr lang="en-US" smtClean="0"/>
+              <a:rPr lang="en-US"/>
               <a:t>Second level</a:t>
             </a:r>
           </a:p>
           <a:p>
             <a:pPr lvl="2"/>
             <a:r>
-              <a:rPr lang="en-US" smtClean="0"/>
+              <a:rPr lang="en-US"/>
               <a:t>Third level</a:t>
             </a:r>
           </a:p>
           <a:p>
             <a:pPr lvl="3"/>
             <a:r>
-              <a:rPr lang="en-US" smtClean="0"/>
+              <a:rPr lang="en-US"/>
               <a:t>Fourth level</a:t>
             </a:r>
           </a:p>
           <a:p>
             <a:pPr lvl="4"/>
             <a:r>
-              <a:rPr lang="en-US" smtClean="0"/>
+              <a:rPr lang="en-US"/>
               <a:t>Fifth level</a:t>
             </a:r>
-            <a:endParaRPr lang="en-US"/>
           </a:p>
         </p:txBody>
       </p:sp>
@@ -1588,10 +1601,9 @@
           </a:lstStyle>
           <a:p>
             <a:r>
-              <a:rPr lang="en-US" smtClean="0"/>
+              <a:rPr lang="en-US"/>
               <a:t>Click to edit Master title style</a:t>
             </a:r>
-            <a:endParaRPr lang="en-US"/>
           </a:p>
         </p:txBody>
       </p:sp>
@@ -1656,7 +1668,7 @@
           <a:p>
             <a:pPr lvl="0"/>
             <a:r>
-              <a:rPr lang="en-US" smtClean="0"/>
+              <a:rPr lang="en-US"/>
               <a:t>Click to edit Master text styles</a:t>
             </a:r>
           </a:p>
@@ -1723,7 +1735,7 @@
           <a:p>
             <a:pPr lvl="0"/>
             <a:r>
-              <a:rPr lang="en-US" smtClean="0"/>
+              <a:rPr lang="en-US"/>
               <a:t>Click to edit Master text styles</a:t>
             </a:r>
           </a:p>
@@ -1746,7 +1758,7 @@
           <a:p>
             <a:fld id="{2C4F4B92-FC48-4157-830E-206F1223ABE5}" type="datetimeFigureOut">
               <a:rPr lang="en-GB" smtClean="0"/>
-              <a:t>06/02/2018</a:t>
+              <a:t>07/02/2018</a:t>
             </a:fld>
             <a:endParaRPr lang="en-GB"/>
           </a:p>
@@ -1816,35 +1828,35 @@
           <a:p>
             <a:pPr lvl="0"/>
             <a:r>
-              <a:rPr lang="en-US" smtClean="0"/>
+              <a:rPr lang="en-US"/>
               <a:t>Click to edit Master text styles</a:t>
             </a:r>
           </a:p>
           <a:p>
             <a:pPr lvl="1"/>
             <a:r>
-              <a:rPr lang="en-US" smtClean="0"/>
+              <a:rPr lang="en-US"/>
               <a:t>Second level</a:t>
             </a:r>
           </a:p>
           <a:p>
             <a:pPr lvl="2"/>
             <a:r>
-              <a:rPr lang="en-US" smtClean="0"/>
+              <a:rPr lang="en-US"/>
               <a:t>Third level</a:t>
             </a:r>
           </a:p>
           <a:p>
             <a:pPr lvl="3"/>
             <a:r>
-              <a:rPr lang="en-US" smtClean="0"/>
+              <a:rPr lang="en-US"/>
               <a:t>Fourth level</a:t>
             </a:r>
           </a:p>
           <a:p>
             <a:pPr lvl="4"/>
             <a:r>
-              <a:rPr lang="en-US" smtClean="0"/>
+              <a:rPr lang="en-US"/>
               <a:t>Fifth level</a:t>
             </a:r>
             <a:endParaRPr lang="en-US" dirty="0"/>
@@ -1873,35 +1885,35 @@
           <a:p>
             <a:pPr lvl="0"/>
             <a:r>
-              <a:rPr lang="en-US" smtClean="0"/>
+              <a:rPr lang="en-US"/>
               <a:t>Click to edit Master text styles</a:t>
             </a:r>
           </a:p>
           <a:p>
             <a:pPr lvl="1"/>
             <a:r>
-              <a:rPr lang="en-US" smtClean="0"/>
+              <a:rPr lang="en-US"/>
               <a:t>Second level</a:t>
             </a:r>
           </a:p>
           <a:p>
             <a:pPr lvl="2"/>
             <a:r>
-              <a:rPr lang="en-US" smtClean="0"/>
+              <a:rPr lang="en-US"/>
               <a:t>Third level</a:t>
             </a:r>
           </a:p>
           <a:p>
             <a:pPr lvl="3"/>
             <a:r>
-              <a:rPr lang="en-US" smtClean="0"/>
+              <a:rPr lang="en-US"/>
               <a:t>Fourth level</a:t>
             </a:r>
           </a:p>
           <a:p>
             <a:pPr lvl="4"/>
             <a:r>
-              <a:rPr lang="en-US" smtClean="0"/>
+              <a:rPr lang="en-US"/>
               <a:t>Fifth level</a:t>
             </a:r>
             <a:endParaRPr lang="en-US" dirty="0"/>
@@ -1949,7 +1961,7 @@
           <a:lstStyle/>
           <a:p>
             <a:r>
-              <a:rPr lang="en-US" smtClean="0"/>
+              <a:rPr lang="en-US"/>
               <a:t>Click to edit Master title style</a:t>
             </a:r>
             <a:endParaRPr lang="en-US" dirty="0"/>
@@ -1973,7 +1985,7 @@
           <a:p>
             <a:fld id="{2C4F4B92-FC48-4157-830E-206F1223ABE5}" type="datetimeFigureOut">
               <a:rPr lang="en-GB" smtClean="0"/>
-              <a:t>06/02/2018</a:t>
+              <a:t>07/02/2018</a:t>
             </a:fld>
             <a:endParaRPr lang="en-GB"/>
           </a:p>
@@ -2063,7 +2075,7 @@
           <a:p>
             <a:fld id="{2C4F4B92-FC48-4157-830E-206F1223ABE5}" type="datetimeFigureOut">
               <a:rPr lang="en-GB" smtClean="0"/>
-              <a:t>06/02/2018</a:t>
+              <a:t>07/02/2018</a:t>
             </a:fld>
             <a:endParaRPr lang="en-GB"/>
           </a:p>
@@ -2172,7 +2184,7 @@
           </a:lstStyle>
           <a:p>
             <a:r>
-              <a:rPr lang="en-US" smtClean="0"/>
+              <a:rPr lang="en-US"/>
               <a:t>Click to edit Master title style</a:t>
             </a:r>
             <a:endParaRPr lang="en-US" dirty="0"/>
@@ -2229,35 +2241,35 @@
           <a:p>
             <a:pPr lvl="0"/>
             <a:r>
-              <a:rPr lang="en-US" smtClean="0"/>
+              <a:rPr lang="en-US"/>
               <a:t>Click to edit Master text styles</a:t>
             </a:r>
           </a:p>
           <a:p>
             <a:pPr lvl="1"/>
             <a:r>
-              <a:rPr lang="en-US" smtClean="0"/>
+              <a:rPr lang="en-US"/>
               <a:t>Second level</a:t>
             </a:r>
           </a:p>
           <a:p>
             <a:pPr lvl="2"/>
             <a:r>
-              <a:rPr lang="en-US" smtClean="0"/>
+              <a:rPr lang="en-US"/>
               <a:t>Third level</a:t>
             </a:r>
           </a:p>
           <a:p>
             <a:pPr lvl="3"/>
             <a:r>
-              <a:rPr lang="en-US" smtClean="0"/>
+              <a:rPr lang="en-US"/>
               <a:t>Fourth level</a:t>
             </a:r>
           </a:p>
           <a:p>
             <a:pPr lvl="4"/>
             <a:r>
-              <a:rPr lang="en-US" smtClean="0"/>
+              <a:rPr lang="en-US"/>
               <a:t>Fifth level</a:t>
             </a:r>
             <a:endParaRPr lang="en-US" dirty="0"/>
@@ -2328,7 +2340,7 @@
           <a:p>
             <a:pPr lvl="0"/>
             <a:r>
-              <a:rPr lang="en-US" smtClean="0"/>
+              <a:rPr lang="en-US"/>
               <a:t>Click to edit Master text styles</a:t>
             </a:r>
           </a:p>
@@ -2351,7 +2363,7 @@
           <a:p>
             <a:fld id="{2C4F4B92-FC48-4157-830E-206F1223ABE5}" type="datetimeFigureOut">
               <a:rPr lang="en-GB" smtClean="0"/>
-              <a:t>06/02/2018</a:t>
+              <a:t>07/02/2018</a:t>
             </a:fld>
             <a:endParaRPr lang="en-GB"/>
           </a:p>
@@ -2452,7 +2464,7 @@
           </a:lstStyle>
           <a:p>
             <a:r>
-              <a:rPr lang="en-US" smtClean="0"/>
+              <a:rPr lang="en-US"/>
               <a:t>Click to edit Master title style</a:t>
             </a:r>
             <a:endParaRPr lang="en-US" dirty="0"/>
@@ -2529,7 +2541,7 @@
           </a:lstStyle>
           <a:p>
             <a:r>
-              <a:rPr lang="en-US" smtClean="0"/>
+              <a:rPr lang="en-US"/>
               <a:t>Click icon to add picture</a:t>
             </a:r>
             <a:endParaRPr lang="en-US" dirty="0"/>
@@ -2597,7 +2609,7 @@
           <a:p>
             <a:pPr lvl="0"/>
             <a:r>
-              <a:rPr lang="en-US" smtClean="0"/>
+              <a:rPr lang="en-US"/>
               <a:t>Click to edit Master text styles</a:t>
             </a:r>
           </a:p>
@@ -2620,7 +2632,7 @@
           <a:p>
             <a:fld id="{2C4F4B92-FC48-4157-830E-206F1223ABE5}" type="datetimeFigureOut">
               <a:rPr lang="en-GB" smtClean="0"/>
-              <a:t>06/02/2018</a:t>
+              <a:t>07/02/2018</a:t>
             </a:fld>
             <a:endParaRPr lang="en-GB"/>
           </a:p>
@@ -2724,7 +2736,7 @@
           <a:lstStyle/>
           <a:p>
             <a:r>
-              <a:rPr lang="en-US" smtClean="0"/>
+              <a:rPr lang="en-US"/>
               <a:t>Click to edit Master title style</a:t>
             </a:r>
             <a:endParaRPr lang="en-US" dirty="0"/>
@@ -2758,38 +2770,38 @@
           <a:p>
             <a:pPr lvl="0"/>
             <a:r>
-              <a:rPr lang="en-US" smtClean="0"/>
+              <a:rPr lang="en-US"/>
               <a:t>Click to edit Master text styles</a:t>
             </a:r>
           </a:p>
           <a:p>
             <a:pPr lvl="1"/>
             <a:r>
-              <a:rPr lang="en-US" smtClean="0"/>
+              <a:rPr lang="en-US"/>
               <a:t>Second level</a:t>
             </a:r>
           </a:p>
           <a:p>
             <a:pPr lvl="2"/>
             <a:r>
-              <a:rPr lang="en-US" smtClean="0"/>
+              <a:rPr lang="en-US"/>
               <a:t>Third level</a:t>
             </a:r>
           </a:p>
           <a:p>
             <a:pPr lvl="3"/>
             <a:r>
-              <a:rPr lang="en-US" smtClean="0"/>
+              <a:rPr lang="en-US"/>
               <a:t>Fourth level</a:t>
             </a:r>
           </a:p>
           <a:p>
             <a:pPr lvl="4"/>
             <a:r>
-              <a:rPr lang="en-US" smtClean="0"/>
+              <a:rPr lang="en-US"/>
               <a:t>Fifth level</a:t>
             </a:r>
-            <a:endParaRPr lang="en-US" dirty="0" smtClean="0"/>
+            <a:endParaRPr lang="en-US" dirty="0"/>
           </a:p>
         </p:txBody>
       </p:sp>
@@ -2830,7 +2842,7 @@
           <a:p>
             <a:fld id="{2C4F4B92-FC48-4157-830E-206F1223ABE5}" type="datetimeFigureOut">
               <a:rPr lang="en-GB" smtClean="0"/>
-              <a:t>06/02/2018</a:t>
+              <a:t>07/02/2018</a:t>
             </a:fld>
             <a:endParaRPr lang="en-GB"/>
           </a:p>
@@ -3353,7 +3365,7 @@
           <p:cNvPr id="2" name="Title 1">
             <a:extLst>
               <a:ext uri="{FF2B5EF4-FFF2-40B4-BE49-F238E27FC236}">
-                <a16:creationId xmlns:a16="http://schemas.microsoft.com/office/drawing/2014/main" xmlns="" id="{75AF13B1-2928-4713-A3FC-D28E467D4341}"/>
+                <a16:creationId xmlns:a16="http://schemas.microsoft.com/office/drawing/2014/main" id="{75AF13B1-2928-4713-A3FC-D28E467D4341}"/>
               </a:ext>
             </a:extLst>
           </p:cNvPr>
@@ -3380,10 +3392,6 @@
               <a:rPr lang="en-GB" b="1" i="1" dirty="0"/>
               <a:t>Group Project</a:t>
             </a:r>
-            <a:r>
-              <a:rPr lang="en-GB" dirty="0"/>
-              <a:t/>
-            </a:r>
             <a:br>
               <a:rPr lang="en-GB" dirty="0"/>
             </a:br>
@@ -3400,7 +3408,7 @@
           <p:cNvPr id="3" name="Subtitle 2">
             <a:extLst>
               <a:ext uri="{FF2B5EF4-FFF2-40B4-BE49-F238E27FC236}">
-                <a16:creationId xmlns:a16="http://schemas.microsoft.com/office/drawing/2014/main" xmlns="" id="{9965F67B-7A84-4A58-952F-3E8698C31F63}"/>
+                <a16:creationId xmlns:a16="http://schemas.microsoft.com/office/drawing/2014/main" id="{9965F67B-7A84-4A58-952F-3E8698C31F63}"/>
               </a:ext>
             </a:extLst>
           </p:cNvPr>
@@ -3486,7 +3494,7 @@
           <p:cNvPr id="2" name="Title 1">
             <a:extLst>
               <a:ext uri="{FF2B5EF4-FFF2-40B4-BE49-F238E27FC236}">
-                <a16:creationId xmlns:a16="http://schemas.microsoft.com/office/drawing/2014/main" xmlns="" id="{66927383-677A-4F68-80F1-DEBC22E02523}"/>
+                <a16:creationId xmlns:a16="http://schemas.microsoft.com/office/drawing/2014/main" id="{66927383-677A-4F68-80F1-DEBC22E02523}"/>
               </a:ext>
             </a:extLst>
           </p:cNvPr>
@@ -3516,7 +3524,7 @@
           <p:cNvPr id="3" name="Content Placeholder 2">
             <a:extLst>
               <a:ext uri="{FF2B5EF4-FFF2-40B4-BE49-F238E27FC236}">
-                <a16:creationId xmlns:a16="http://schemas.microsoft.com/office/drawing/2014/main" xmlns="" id="{F8B58400-563D-4E3C-94DA-CBE931316A86}"/>
+                <a16:creationId xmlns:a16="http://schemas.microsoft.com/office/drawing/2014/main" id="{F8B58400-563D-4E3C-94DA-CBE931316A86}"/>
               </a:ext>
             </a:extLst>
           </p:cNvPr>
@@ -3563,13 +3571,8 @@
           <a:p>
             <a:r>
               <a:rPr lang="en-GB" sz="2400" dirty="0"/>
-              <a:t>Turn based block </a:t>
-            </a:r>
-            <a:r>
-              <a:rPr lang="en-GB" sz="2400" dirty="0" smtClean="0"/>
-              <a:t>destroyed</a:t>
-            </a:r>
-            <a:endParaRPr lang="en-GB" sz="2400" dirty="0"/>
+              <a:t>Turn based block destroyed</a:t>
+            </a:r>
           </a:p>
         </p:txBody>
       </p:sp>
@@ -3608,7 +3611,7 @@
           <p:cNvPr id="2" name="Title 1">
             <a:extLst>
               <a:ext uri="{FF2B5EF4-FFF2-40B4-BE49-F238E27FC236}">
-                <a16:creationId xmlns:a16="http://schemas.microsoft.com/office/drawing/2014/main" xmlns="" id="{40EF56A1-6951-426F-BBC1-17A8E515272B}"/>
+                <a16:creationId xmlns:a16="http://schemas.microsoft.com/office/drawing/2014/main" id="{40EF56A1-6951-426F-BBC1-17A8E515272B}"/>
               </a:ext>
             </a:extLst>
           </p:cNvPr>
@@ -3638,7 +3641,7 @@
           <p:cNvPr id="3" name="Content Placeholder 2">
             <a:extLst>
               <a:ext uri="{FF2B5EF4-FFF2-40B4-BE49-F238E27FC236}">
-                <a16:creationId xmlns:a16="http://schemas.microsoft.com/office/drawing/2014/main" xmlns="" id="{D8927140-D3F4-4792-9EAB-0AC13F050711}"/>
+                <a16:creationId xmlns:a16="http://schemas.microsoft.com/office/drawing/2014/main" id="{D8927140-D3F4-4792-9EAB-0AC13F050711}"/>
               </a:ext>
             </a:extLst>
           </p:cNvPr>
@@ -3721,7 +3724,123 @@
           <p:cNvPr id="2" name="Title 1">
             <a:extLst>
               <a:ext uri="{FF2B5EF4-FFF2-40B4-BE49-F238E27FC236}">
-                <a16:creationId xmlns:a16="http://schemas.microsoft.com/office/drawing/2014/main" xmlns="" id="{5F8E39BA-C895-49BB-B154-0F97FF8F888C}"/>
+                <a16:creationId xmlns:a16="http://schemas.microsoft.com/office/drawing/2014/main" id="{B25FE169-9255-471B-A346-DFF81F1B6A78}"/>
+              </a:ext>
+            </a:extLst>
+          </p:cNvPr>
+          <p:cNvSpPr>
+            <a:spLocks noGrp="1"/>
+          </p:cNvSpPr>
+          <p:nvPr>
+            <p:ph type="title"/>
+          </p:nvPr>
+        </p:nvSpPr>
+        <p:spPr/>
+        <p:txBody>
+          <a:bodyPr/>
+          <a:lstStyle/>
+          <a:p>
+            <a:r>
+              <a:rPr lang="en-GB" sz="6000" dirty="0"/>
+              <a:t>Mechanics</a:t>
+            </a:r>
+          </a:p>
+        </p:txBody>
+      </p:sp>
+      <p:sp>
+        <p:nvSpPr>
+          <p:cNvPr id="3" name="Content Placeholder 2">
+            <a:extLst>
+              <a:ext uri="{FF2B5EF4-FFF2-40B4-BE49-F238E27FC236}">
+                <a16:creationId xmlns:a16="http://schemas.microsoft.com/office/drawing/2014/main" id="{17E5ABE9-0534-4F56-961F-A7FB92C85523}"/>
+              </a:ext>
+            </a:extLst>
+          </p:cNvPr>
+          <p:cNvSpPr>
+            <a:spLocks noGrp="1"/>
+          </p:cNvSpPr>
+          <p:nvPr>
+            <p:ph idx="1"/>
+          </p:nvPr>
+        </p:nvSpPr>
+        <p:spPr/>
+        <p:txBody>
+          <a:bodyPr>
+            <a:normAutofit/>
+          </a:bodyPr>
+          <a:lstStyle/>
+          <a:p>
+            <a:r>
+              <a:rPr lang="en-GB" sz="2800" dirty="0"/>
+              <a:t>A Few of the mechanics that will be involved in the game will be :-</a:t>
+            </a:r>
+          </a:p>
+          <a:p>
+            <a:pPr lvl="2"/>
+            <a:r>
+              <a:rPr lang="en-GB" sz="1800" dirty="0"/>
+              <a:t>Tapping the blocks</a:t>
+            </a:r>
+          </a:p>
+          <a:p>
+            <a:pPr lvl="2"/>
+            <a:r>
+              <a:rPr lang="en-GB" sz="1800" dirty="0"/>
+              <a:t>Destroying the blocks</a:t>
+            </a:r>
+          </a:p>
+          <a:p>
+            <a:pPr lvl="2"/>
+            <a:r>
+              <a:rPr lang="en-GB" sz="1800" dirty="0"/>
+              <a:t>The combo, or order of blocks being tapped.</a:t>
+            </a:r>
+          </a:p>
+          <a:p>
+            <a:pPr lvl="3"/>
+            <a:r>
+              <a:rPr lang="en-GB" sz="1800" dirty="0"/>
+              <a:t>E.g. tapping the ice block above a lava block too remove two blocks in one tap.</a:t>
+            </a:r>
+          </a:p>
+        </p:txBody>
+      </p:sp>
+    </p:spTree>
+    <p:extLst>
+      <p:ext uri="{BB962C8B-B14F-4D97-AF65-F5344CB8AC3E}">
+        <p14:creationId xmlns:p14="http://schemas.microsoft.com/office/powerpoint/2010/main" val="2763971988"/>
+      </p:ext>
+    </p:extLst>
+  </p:cSld>
+  <p:clrMapOvr>
+    <a:masterClrMapping/>
+  </p:clrMapOvr>
+</p:sld>
+</file>
+
+<file path=ppt/slides/slide5.xml><?xml version="1.0" encoding="utf-8"?>
+<p:sld xmlns:a="http://schemas.openxmlformats.org/drawingml/2006/main" xmlns:r="http://schemas.openxmlformats.org/officeDocument/2006/relationships" xmlns:p="http://schemas.openxmlformats.org/presentationml/2006/main">
+  <p:cSld>
+    <p:spTree>
+      <p:nvGrpSpPr>
+        <p:cNvPr id="1" name=""/>
+        <p:cNvGrpSpPr/>
+        <p:nvPr/>
+      </p:nvGrpSpPr>
+      <p:grpSpPr>
+        <a:xfrm>
+          <a:off x="0" y="0"/>
+          <a:ext cx="0" cy="0"/>
+          <a:chOff x="0" y="0"/>
+          <a:chExt cx="0" cy="0"/>
+        </a:xfrm>
+      </p:grpSpPr>
+      <p:sp>
+        <p:nvSpPr>
+          <p:cNvPr id="2" name="Title 1">
+            <a:extLst>
+              <a:ext uri="{FF2B5EF4-FFF2-40B4-BE49-F238E27FC236}">
+                <a16:creationId xmlns:a16="http://schemas.microsoft.com/office/drawing/2014/main" id="{5F8E39BA-C895-49BB-B154-0F97FF8F888C}"/>
               </a:ext>
             </a:extLst>
           </p:cNvPr>
@@ -3800,129 +3919,6 @@
 </p:sld>
 </file>
 
-<file path=ppt/slides/slide5.xml><?xml version="1.0" encoding="utf-8"?>
-<p:sld xmlns:a="http://schemas.openxmlformats.org/drawingml/2006/main" xmlns:r="http://schemas.openxmlformats.org/officeDocument/2006/relationships" xmlns:p="http://schemas.openxmlformats.org/presentationml/2006/main">
-  <p:cSld>
-    <p:spTree>
-      <p:nvGrpSpPr>
-        <p:cNvPr id="1" name=""/>
-        <p:cNvGrpSpPr/>
-        <p:nvPr/>
-      </p:nvGrpSpPr>
-      <p:grpSpPr>
-        <a:xfrm>
-          <a:off x="0" y="0"/>
-          <a:ext cx="0" cy="0"/>
-          <a:chOff x="0" y="0"/>
-          <a:chExt cx="0" cy="0"/>
-        </a:xfrm>
-      </p:grpSpPr>
-      <p:sp>
-        <p:nvSpPr>
-          <p:cNvPr id="2" name="Title 1">
-            <a:extLst>
-              <a:ext uri="{FF2B5EF4-FFF2-40B4-BE49-F238E27FC236}">
-                <a16:creationId xmlns:a16="http://schemas.microsoft.com/office/drawing/2014/main" xmlns="" id="{353A8F36-A78C-4092-9A0E-29C64F64823D}"/>
-              </a:ext>
-            </a:extLst>
-          </p:cNvPr>
-          <p:cNvSpPr>
-            <a:spLocks noGrp="1"/>
-          </p:cNvSpPr>
-          <p:nvPr>
-            <p:ph type="title"/>
-          </p:nvPr>
-        </p:nvSpPr>
-        <p:spPr/>
-        <p:txBody>
-          <a:bodyPr/>
-          <a:lstStyle/>
-          <a:p>
-            <a:r>
-              <a:rPr lang="en-GB" b="1" dirty="0"/>
-              <a:t>What are the games challenges?</a:t>
-            </a:r>
-            <a:endParaRPr lang="en-GB" b="1" dirty="0"/>
-          </a:p>
-        </p:txBody>
-      </p:sp>
-      <p:sp>
-        <p:nvSpPr>
-          <p:cNvPr id="3" name="Content Placeholder 2">
-            <a:extLst>
-              <a:ext uri="{FF2B5EF4-FFF2-40B4-BE49-F238E27FC236}">
-                <a16:creationId xmlns:a16="http://schemas.microsoft.com/office/drawing/2014/main" xmlns="" id="{B49D8532-E9C0-4011-8DF9-CE7F50113AAB}"/>
-              </a:ext>
-            </a:extLst>
-          </p:cNvPr>
-          <p:cNvSpPr>
-            <a:spLocks noGrp="1"/>
-          </p:cNvSpPr>
-          <p:nvPr>
-            <p:ph idx="1"/>
-          </p:nvPr>
-        </p:nvSpPr>
-        <p:spPr>
-          <a:xfrm>
-            <a:off x="814952" y="2399062"/>
-            <a:ext cx="10515600" cy="2661134"/>
-          </a:xfrm>
-        </p:spPr>
-        <p:txBody>
-          <a:bodyPr/>
-          <a:lstStyle/>
-          <a:p>
-            <a:pPr marL="0" indent="0">
-              <a:buNone/>
-            </a:pPr>
-            <a:r>
-              <a:rPr lang="en-GB" dirty="0" smtClean="0"/>
-              <a:t>The challenge of the game is constituted by choosing to destroy the correct sequence of blocks in order to stay ahead of your opponent by distancing yourself and gaining a higher score.</a:t>
-            </a:r>
-          </a:p>
-          <a:p>
-            <a:pPr marL="0" indent="0">
-              <a:buNone/>
-            </a:pPr>
-            <a:endParaRPr lang="en-GB" dirty="0"/>
-          </a:p>
-          <a:p>
-            <a:pPr marL="0" indent="0">
-              <a:buNone/>
-            </a:pPr>
-            <a:r>
-              <a:rPr lang="en-GB" dirty="0" smtClean="0"/>
-              <a:t> </a:t>
-            </a:r>
-            <a:endParaRPr lang="en-GB" dirty="0"/>
-          </a:p>
-          <a:p>
-            <a:pPr marL="0" indent="0">
-              <a:buNone/>
-            </a:pPr>
-            <a:endParaRPr lang="en-GB" dirty="0" smtClean="0"/>
-          </a:p>
-          <a:p>
-            <a:pPr marL="0" indent="0">
-              <a:buNone/>
-            </a:pPr>
-            <a:endParaRPr lang="en-GB" dirty="0"/>
-          </a:p>
-        </p:txBody>
-      </p:sp>
-    </p:spTree>
-    <p:extLst>
-      <p:ext uri="{BB962C8B-B14F-4D97-AF65-F5344CB8AC3E}">
-        <p14:creationId xmlns:p14="http://schemas.microsoft.com/office/powerpoint/2010/main" val="3815337918"/>
-      </p:ext>
-    </p:extLst>
-  </p:cSld>
-  <p:clrMapOvr>
-    <a:masterClrMapping/>
-  </p:clrMapOvr>
-</p:sld>
-</file>
-
 <file path=ppt/slides/slide6.xml><?xml version="1.0" encoding="utf-8"?>
 <p:sld xmlns:a="http://schemas.openxmlformats.org/drawingml/2006/main" xmlns:r="http://schemas.openxmlformats.org/officeDocument/2006/relationships" xmlns:p="http://schemas.openxmlformats.org/presentationml/2006/main">
   <p:cSld>
@@ -3942,7 +3938,13 @@
       </p:grpSpPr>
       <p:sp>
         <p:nvSpPr>
-          <p:cNvPr id="2" name="Title 1"/>
+          <p:cNvPr id="2" name="Title 1">
+            <a:extLst>
+              <a:ext uri="{FF2B5EF4-FFF2-40B4-BE49-F238E27FC236}">
+                <a16:creationId xmlns:a16="http://schemas.microsoft.com/office/drawing/2014/main" id="{353A8F36-A78C-4092-9A0E-29C64F64823D}"/>
+              </a:ext>
+            </a:extLst>
+          </p:cNvPr>
           <p:cNvSpPr>
             <a:spLocks noGrp="1"/>
           </p:cNvSpPr>
@@ -3956,16 +3958,21 @@
           <a:lstStyle/>
           <a:p>
             <a:r>
-              <a:rPr lang="en-GB" b="1" dirty="0" smtClean="0"/>
-              <a:t>Target audience</a:t>
-            </a:r>
-            <a:endParaRPr lang="en-GB" b="1" dirty="0"/>
-          </a:p>
-        </p:txBody>
-      </p:sp>
-      <p:sp>
-        <p:nvSpPr>
-          <p:cNvPr id="3" name="Content Placeholder 2"/>
+              <a:rPr lang="en-GB" b="1" dirty="0"/>
+              <a:t>What are the games challenges?</a:t>
+            </a:r>
+          </a:p>
+        </p:txBody>
+      </p:sp>
+      <p:sp>
+        <p:nvSpPr>
+          <p:cNvPr id="3" name="Content Placeholder 2">
+            <a:extLst>
+              <a:ext uri="{FF2B5EF4-FFF2-40B4-BE49-F238E27FC236}">
+                <a16:creationId xmlns:a16="http://schemas.microsoft.com/office/drawing/2014/main" id="{B49D8532-E9C0-4011-8DF9-CE7F50113AAB}"/>
+              </a:ext>
+            </a:extLst>
+          </p:cNvPr>
           <p:cNvSpPr>
             <a:spLocks noGrp="1"/>
           </p:cNvSpPr>
@@ -3973,7 +3980,12 @@
             <p:ph idx="1"/>
           </p:nvPr>
         </p:nvSpPr>
-        <p:spPr/>
+        <p:spPr>
+          <a:xfrm>
+            <a:off x="814952" y="2399062"/>
+            <a:ext cx="10515600" cy="2661134"/>
+          </a:xfrm>
+        </p:spPr>
         <p:txBody>
           <a:bodyPr/>
           <a:lstStyle/>
@@ -3982,17 +3994,8 @@
               <a:buNone/>
             </a:pPr>
             <a:r>
-              <a:rPr lang="en-GB" dirty="0" smtClean="0"/>
-              <a:t>Age:</a:t>
-            </a:r>
-          </a:p>
-          <a:p>
-            <a:pPr marL="0" indent="0">
-              <a:buNone/>
-            </a:pPr>
-            <a:r>
-              <a:rPr lang="en-GB" dirty="0" smtClean="0"/>
-              <a:t>15 – 30</a:t>
+              <a:rPr lang="en-GB" dirty="0"/>
+              <a:t>The challenge of the game is constituted by choosing to destroy the correct sequence of blocks in order to stay ahead of your opponent by distancing yourself and gaining a higher score.</a:t>
             </a:r>
           </a:p>
           <a:p>
@@ -4006,17 +4009,8 @@
               <a:buNone/>
             </a:pPr>
             <a:r>
-              <a:rPr lang="en-GB" dirty="0" smtClean="0"/>
-              <a:t>Gender: </a:t>
-            </a:r>
-          </a:p>
-          <a:p>
-            <a:pPr marL="0" indent="0">
-              <a:buNone/>
-            </a:pPr>
-            <a:r>
-              <a:rPr lang="en-GB" dirty="0" smtClean="0"/>
-              <a:t>Both males and females</a:t>
+              <a:rPr lang="en-GB" dirty="0"/>
+              <a:t> </a:t>
             </a:r>
           </a:p>
           <a:p>
@@ -4029,10 +4023,6 @@
             <a:pPr marL="0" indent="0">
               <a:buNone/>
             </a:pPr>
-            <a:r>
-              <a:rPr lang="en-GB" dirty="0" smtClean="0"/>
-              <a:t>Casual gamers</a:t>
-            </a:r>
             <a:endParaRPr lang="en-GB" dirty="0"/>
           </a:p>
         </p:txBody>
@@ -4040,7 +4030,7 @@
     </p:spTree>
     <p:extLst>
       <p:ext uri="{BB962C8B-B14F-4D97-AF65-F5344CB8AC3E}">
-        <p14:creationId xmlns:p14="http://schemas.microsoft.com/office/powerpoint/2010/main" val="1253175149"/>
+        <p14:creationId xmlns:p14="http://schemas.microsoft.com/office/powerpoint/2010/main" val="3815337918"/>
       </p:ext>
     </p:extLst>
   </p:cSld>
@@ -4069,10 +4059,135 @@
       </p:grpSpPr>
       <p:sp>
         <p:nvSpPr>
+          <p:cNvPr id="2" name="Title 1"/>
+          <p:cNvSpPr>
+            <a:spLocks noGrp="1"/>
+          </p:cNvSpPr>
+          <p:nvPr>
+            <p:ph type="title"/>
+          </p:nvPr>
+        </p:nvSpPr>
+        <p:spPr/>
+        <p:txBody>
+          <a:bodyPr/>
+          <a:lstStyle/>
+          <a:p>
+            <a:r>
+              <a:rPr lang="en-GB" b="1" dirty="0"/>
+              <a:t>Target audience</a:t>
+            </a:r>
+          </a:p>
+        </p:txBody>
+      </p:sp>
+      <p:sp>
+        <p:nvSpPr>
+          <p:cNvPr id="3" name="Content Placeholder 2"/>
+          <p:cNvSpPr>
+            <a:spLocks noGrp="1"/>
+          </p:cNvSpPr>
+          <p:nvPr>
+            <p:ph idx="1"/>
+          </p:nvPr>
+        </p:nvSpPr>
+        <p:spPr/>
+        <p:txBody>
+          <a:bodyPr/>
+          <a:lstStyle/>
+          <a:p>
+            <a:pPr marL="0" indent="0">
+              <a:buNone/>
+            </a:pPr>
+            <a:r>
+              <a:rPr lang="en-GB" dirty="0"/>
+              <a:t>Age:</a:t>
+            </a:r>
+          </a:p>
+          <a:p>
+            <a:pPr marL="0" indent="0">
+              <a:buNone/>
+            </a:pPr>
+            <a:r>
+              <a:rPr lang="en-GB" dirty="0"/>
+              <a:t>15 – 30</a:t>
+            </a:r>
+          </a:p>
+          <a:p>
+            <a:pPr marL="0" indent="0">
+              <a:buNone/>
+            </a:pPr>
+            <a:endParaRPr lang="en-GB" dirty="0"/>
+          </a:p>
+          <a:p>
+            <a:pPr marL="0" indent="0">
+              <a:buNone/>
+            </a:pPr>
+            <a:r>
+              <a:rPr lang="en-GB" dirty="0"/>
+              <a:t>Gender: </a:t>
+            </a:r>
+          </a:p>
+          <a:p>
+            <a:pPr marL="0" indent="0">
+              <a:buNone/>
+            </a:pPr>
+            <a:r>
+              <a:rPr lang="en-GB" dirty="0"/>
+              <a:t>Both males and females</a:t>
+            </a:r>
+          </a:p>
+          <a:p>
+            <a:pPr marL="0" indent="0">
+              <a:buNone/>
+            </a:pPr>
+            <a:endParaRPr lang="en-GB" dirty="0"/>
+          </a:p>
+          <a:p>
+            <a:pPr marL="0" indent="0">
+              <a:buNone/>
+            </a:pPr>
+            <a:r>
+              <a:rPr lang="en-GB" dirty="0"/>
+              <a:t>Casual gamers</a:t>
+            </a:r>
+          </a:p>
+        </p:txBody>
+      </p:sp>
+    </p:spTree>
+    <p:extLst>
+      <p:ext uri="{BB962C8B-B14F-4D97-AF65-F5344CB8AC3E}">
+        <p14:creationId xmlns:p14="http://schemas.microsoft.com/office/powerpoint/2010/main" val="1253175149"/>
+      </p:ext>
+    </p:extLst>
+  </p:cSld>
+  <p:clrMapOvr>
+    <a:masterClrMapping/>
+  </p:clrMapOvr>
+</p:sld>
+</file>
+
+<file path=ppt/slides/slide8.xml><?xml version="1.0" encoding="utf-8"?>
+<p:sld xmlns:a="http://schemas.openxmlformats.org/drawingml/2006/main" xmlns:r="http://schemas.openxmlformats.org/officeDocument/2006/relationships" xmlns:p="http://schemas.openxmlformats.org/presentationml/2006/main">
+  <p:cSld>
+    <p:spTree>
+      <p:nvGrpSpPr>
+        <p:cNvPr id="1" name=""/>
+        <p:cNvGrpSpPr/>
+        <p:nvPr/>
+      </p:nvGrpSpPr>
+      <p:grpSpPr>
+        <a:xfrm>
+          <a:off x="0" y="0"/>
+          <a:ext cx="0" cy="0"/>
+          <a:chOff x="0" y="0"/>
+          <a:chExt cx="0" cy="0"/>
+        </a:xfrm>
+      </p:grpSpPr>
+      <p:sp>
+        <p:nvSpPr>
           <p:cNvPr id="2" name="Title 1">
             <a:extLst>
               <a:ext uri="{FF2B5EF4-FFF2-40B4-BE49-F238E27FC236}">
-                <a16:creationId xmlns:a16="http://schemas.microsoft.com/office/drawing/2014/main" xmlns="" id="{EF5F48B9-2BA2-429D-A1FB-25375F3F33FE}"/>
+                <a16:creationId xmlns:a16="http://schemas.microsoft.com/office/drawing/2014/main" id="{EF5F48B9-2BA2-429D-A1FB-25375F3F33FE}"/>
               </a:ext>
             </a:extLst>
           </p:cNvPr>
